--- a/progress11.pptx
+++ b/progress11.pptx
@@ -218,7 +218,7 @@
           <a:p>
             <a:fld id="{202C1FBA-CF23-45CA-A289-03E32D160964}" type="datetimeFigureOut">
               <a:rPr lang="zh-CN" altLang="en-US" smtClean="0"/>
-              <a:t>2019/7/4</a:t>
+              <a:t>2019/10/7</a:t>
             </a:fld>
             <a:endParaRPr lang="zh-CN" altLang="en-US"/>
           </a:p>
@@ -383,7 +383,7 @@
           <a:p>
             <a:fld id="{6D966BD8-0FC1-456F-BDC6-7D0CA8E36566}" type="datetimeFigureOut">
               <a:rPr lang="zh-CN" altLang="en-US" smtClean="0"/>
-              <a:t>2019/7/4</a:t>
+              <a:t>2019/10/7</a:t>
             </a:fld>
             <a:endParaRPr lang="zh-CN" altLang="en-US"/>
           </a:p>
@@ -965,15 +965,7 @@
           <a:p>
             <a:r>
               <a:rPr lang="en-US" altLang="zh-CN" baseline="0" dirty="0" smtClean="0"/>
-              <a:t>Next, I try to find key </a:t>
-            </a:r>
-            <a:r>
-              <a:rPr lang="en-US" altLang="zh-CN" baseline="0" dirty="0" smtClean="0"/>
-              <a:t>edges</a:t>
-            </a:r>
-            <a:r>
-              <a:rPr lang="en-US" altLang="zh-CN" baseline="0" dirty="0" smtClean="0"/>
-              <a:t>. </a:t>
+              <a:t>Next, I try to find key edges. </a:t>
             </a:r>
           </a:p>
           <a:p>
@@ -1872,17 +1864,7 @@
                 <a:latin typeface="Arial" panose="020B0604020202020204" pitchFamily="34" charset="0"/>
                 <a:cs typeface="Arial" panose="020B0604020202020204" pitchFamily="34" charset="0"/>
               </a:rPr>
-              <a:t>Orders of nodes can be analyzed as communication methods or decision-making </a:t>
-            </a:r>
-            <a:r>
-              <a:rPr lang="en-US" altLang="zh-CN" dirty="0" smtClean="0">
-                <a:solidFill>
-                  <a:srgbClr val="000000"/>
-                </a:solidFill>
-                <a:latin typeface="Arial" panose="020B0604020202020204" pitchFamily="34" charset="0"/>
-                <a:cs typeface="Arial" panose="020B0604020202020204" pitchFamily="34" charset="0"/>
-              </a:rPr>
-              <a:t>methods.</a:t>
+              <a:t>Orders of nodes can be analyzed as communication methods or decision-making methods.</a:t>
             </a:r>
           </a:p>
           <a:p>
@@ -1903,37 +1885,7 @@
                 <a:latin typeface="Arial" panose="020B0604020202020204" pitchFamily="34" charset="0"/>
                 <a:cs typeface="Arial" panose="020B0604020202020204" pitchFamily="34" charset="0"/>
               </a:rPr>
-              <a:t>In </a:t>
-            </a:r>
-            <a:r>
-              <a:rPr lang="en-US" altLang="zh-CN" dirty="0" smtClean="0">
-                <a:solidFill>
-                  <a:srgbClr val="000000"/>
-                </a:solidFill>
-                <a:latin typeface="Arial" panose="020B0604020202020204" pitchFamily="34" charset="0"/>
-                <a:cs typeface="Arial" panose="020B0604020202020204" pitchFamily="34" charset="0"/>
-              </a:rPr>
-              <a:t>sequential order, nodes have enough time to observe how other nodes </a:t>
-            </a:r>
-            <a:r>
-              <a:rPr lang="en-US" altLang="zh-CN" dirty="0" smtClean="0">
-                <a:solidFill>
-                  <a:srgbClr val="000000"/>
-                </a:solidFill>
-                <a:latin typeface="Arial" panose="020B0604020202020204" pitchFamily="34" charset="0"/>
-                <a:cs typeface="Arial" panose="020B0604020202020204" pitchFamily="34" charset="0"/>
-              </a:rPr>
-              <a:t>change </a:t>
-            </a:r>
-            <a:r>
-              <a:rPr lang="en-US" altLang="zh-CN" dirty="0" smtClean="0">
-                <a:solidFill>
-                  <a:srgbClr val="000000"/>
-                </a:solidFill>
-                <a:latin typeface="Arial" panose="020B0604020202020204" pitchFamily="34" charset="0"/>
-                <a:cs typeface="Arial" panose="020B0604020202020204" pitchFamily="34" charset="0"/>
-              </a:rPr>
-              <a:t>and to affect their states. It seems to have discussion and conversation.   </a:t>
+              <a:t>In sequential order, nodes have enough time to observe how other nodes change and to affect their states. It seems to have discussion and conversation.   </a:t>
             </a:r>
           </a:p>
           <a:p>
@@ -1954,37 +1906,7 @@
                 <a:latin typeface="Arial" panose="020B0604020202020204" pitchFamily="34" charset="0"/>
                 <a:cs typeface="Arial" panose="020B0604020202020204" pitchFamily="34" charset="0"/>
               </a:rPr>
-              <a:t>In </a:t>
-            </a:r>
-            <a:r>
-              <a:rPr lang="en-US" altLang="zh-CN" spc="-50" dirty="0" smtClean="0">
-                <a:solidFill>
-                  <a:srgbClr val="000000"/>
-                </a:solidFill>
-                <a:latin typeface="Arial" panose="020B0604020202020204" pitchFamily="34" charset="0"/>
-                <a:cs typeface="Arial" panose="020B0604020202020204" pitchFamily="34" charset="0"/>
-              </a:rPr>
-              <a:t>simultaneous order, nodes don’t have enough time to observe how other nodes change and to affect their states</a:t>
-            </a:r>
-            <a:r>
-              <a:rPr lang="en-US" altLang="zh-CN" spc="-50" dirty="0" smtClean="0">
-                <a:solidFill>
-                  <a:srgbClr val="000000"/>
-                </a:solidFill>
-                <a:latin typeface="Arial" panose="020B0604020202020204" pitchFamily="34" charset="0"/>
-                <a:cs typeface="Arial" panose="020B0604020202020204" pitchFamily="34" charset="0"/>
-              </a:rPr>
-              <a:t>. </a:t>
-            </a:r>
-            <a:r>
-              <a:rPr lang="en-US" altLang="zh-CN" spc="-50" dirty="0" smtClean="0">
-                <a:solidFill>
-                  <a:srgbClr val="000000"/>
-                </a:solidFill>
-                <a:latin typeface="Arial" panose="020B0604020202020204" pitchFamily="34" charset="0"/>
-                <a:cs typeface="Arial" panose="020B0604020202020204" pitchFamily="34" charset="0"/>
-              </a:rPr>
-              <a:t>It seems to have a vote or election. </a:t>
+              <a:t>In simultaneous order, nodes don’t have enough time to observe how other nodes change and to affect their states. It seems to have a vote or election. </a:t>
             </a:r>
           </a:p>
           <a:p>
@@ -2038,65 +1960,8 @@
                 <a:latin typeface="Arial" panose="020B0604020202020204" pitchFamily="34" charset="0"/>
                 <a:cs typeface="Arial" panose="020B0604020202020204" pitchFamily="34" charset="0"/>
               </a:rPr>
-              <a:t>Orders </a:t>
-            </a:r>
-            <a:r>
-              <a:rPr lang="en-US" altLang="zh-CN" dirty="0" smtClean="0">
-                <a:solidFill>
-                  <a:srgbClr val="000000"/>
-                </a:solidFill>
-                <a:latin typeface="Arial" panose="020B0604020202020204" pitchFamily="34" charset="0"/>
-                <a:cs typeface="Arial" panose="020B0604020202020204" pitchFamily="34" charset="0"/>
-              </a:rPr>
-              <a:t>of edges can be analyzed as characteristics of nodes. In sequential order, </a:t>
-            </a:r>
-            <a:r>
-              <a:rPr lang="en-US" altLang="zh-CN" dirty="0" smtClean="0">
-                <a:solidFill>
-                  <a:srgbClr val="000000"/>
-                </a:solidFill>
-                <a:latin typeface="Arial" panose="020B0604020202020204" pitchFamily="34" charset="0"/>
-                <a:cs typeface="Arial" panose="020B0604020202020204" pitchFamily="34" charset="0"/>
-              </a:rPr>
-              <a:t>nodes </a:t>
-            </a:r>
-            <a:r>
-              <a:rPr lang="en-US" altLang="zh-CN" dirty="0" smtClean="0">
-                <a:solidFill>
-                  <a:srgbClr val="000000"/>
-                </a:solidFill>
-                <a:latin typeface="Arial" panose="020B0604020202020204" pitchFamily="34" charset="0"/>
-                <a:cs typeface="Arial" panose="020B0604020202020204" pitchFamily="34" charset="0"/>
-              </a:rPr>
-              <a:t>change their states whenever their edges are activated. We can call them </a:t>
-            </a:r>
-            <a:r>
-              <a:rPr lang="en-US" altLang="zh-CN" dirty="0" smtClean="0">
-                <a:solidFill>
-                  <a:srgbClr val="000000"/>
-                </a:solidFill>
-                <a:latin typeface="Arial" panose="020B0604020202020204" pitchFamily="34" charset="0"/>
-                <a:cs typeface="Arial" panose="020B0604020202020204" pitchFamily="34" charset="0"/>
-              </a:rPr>
-              <a:t>rash </a:t>
-            </a:r>
-            <a:r>
-              <a:rPr lang="en-US" altLang="zh-CN" dirty="0" smtClean="0">
-                <a:solidFill>
-                  <a:srgbClr val="000000"/>
-                </a:solidFill>
-                <a:latin typeface="Arial" panose="020B0604020202020204" pitchFamily="34" charset="0"/>
-                <a:cs typeface="Arial" panose="020B0604020202020204" pitchFamily="34" charset="0"/>
-              </a:rPr>
-              <a:t>nodes. </a:t>
-            </a:r>
-            <a:endParaRPr lang="en-US" altLang="zh-CN" dirty="0" smtClean="0">
-              <a:solidFill>
-                <a:srgbClr val="000000"/>
-              </a:solidFill>
-              <a:latin typeface="Arial" panose="020B0604020202020204" pitchFamily="34" charset="0"/>
-              <a:cs typeface="Arial" panose="020B0604020202020204" pitchFamily="34" charset="0"/>
-            </a:endParaRPr>
+              <a:t>Orders of edges can be analyzed as characteristics of nodes. In sequential order, nodes change their states whenever their edges are activated. We can call them rash nodes. </a:t>
+            </a:r>
           </a:p>
           <a:p>
             <a:pPr lvl="0">
@@ -2116,37 +1981,7 @@
                 <a:latin typeface="Arial" panose="020B0604020202020204" pitchFamily="34" charset="0"/>
                 <a:cs typeface="Arial" panose="020B0604020202020204" pitchFamily="34" charset="0"/>
               </a:rPr>
-              <a:t>But</a:t>
-            </a:r>
-            <a:r>
-              <a:rPr lang="en-US" altLang="zh-CN" dirty="0" smtClean="0">
-                <a:solidFill>
-                  <a:srgbClr val="000000"/>
-                </a:solidFill>
-                <a:latin typeface="Arial" panose="020B0604020202020204" pitchFamily="34" charset="0"/>
-                <a:cs typeface="Arial" panose="020B0604020202020204" pitchFamily="34" charset="0"/>
-              </a:rPr>
-              <a:t>, in simultaneous order, after nodes consider all edges, they change </a:t>
-            </a:r>
-            <a:r>
-              <a:rPr lang="en-US" altLang="zh-CN" dirty="0" smtClean="0">
-                <a:solidFill>
-                  <a:srgbClr val="000000"/>
-                </a:solidFill>
-                <a:latin typeface="Arial" panose="020B0604020202020204" pitchFamily="34" charset="0"/>
-                <a:cs typeface="Arial" panose="020B0604020202020204" pitchFamily="34" charset="0"/>
-              </a:rPr>
-              <a:t>their </a:t>
-            </a:r>
-            <a:r>
-              <a:rPr lang="en-US" altLang="zh-CN" dirty="0" smtClean="0">
-                <a:solidFill>
-                  <a:srgbClr val="000000"/>
-                </a:solidFill>
-                <a:latin typeface="Arial" panose="020B0604020202020204" pitchFamily="34" charset="0"/>
-                <a:cs typeface="Arial" panose="020B0604020202020204" pitchFamily="34" charset="0"/>
-              </a:rPr>
-              <a:t>states. We can call them considerate nodes.  </a:t>
+              <a:t>But, in simultaneous order, after nodes consider all edges, they change their states. We can call them considerate nodes.  </a:t>
             </a:r>
             <a:endParaRPr lang="en-US" altLang="zh-CN" baseline="0" dirty="0" smtClean="0"/>
           </a:p>
@@ -9049,15 +8884,7 @@
             </a:br>
             <a:r>
               <a:rPr lang="en-US" altLang="zh-CN" sz="2800" dirty="0" smtClean="0"/>
-              <a:t>(Updating rules and Finding </a:t>
-            </a:r>
-            <a:r>
-              <a:rPr lang="en-US" altLang="zh-CN" sz="2800" dirty="0" smtClean="0"/>
-              <a:t>key </a:t>
-            </a:r>
-            <a:r>
-              <a:rPr lang="en-US" altLang="zh-CN" sz="2800" dirty="0" smtClean="0"/>
-              <a:t>nodes)</a:t>
+              <a:t>(Updating rules and Finding key nodes)</a:t>
             </a:r>
             <a:endParaRPr lang="zh-CN" altLang="en-US" dirty="0"/>
           </a:p>
@@ -9237,25 +9064,8 @@
                 <a:latin typeface="Arial" panose="020B0604020202020204" pitchFamily="34" charset="0"/>
                 <a:cs typeface="Arial" panose="020B0604020202020204" pitchFamily="34" charset="0"/>
               </a:rPr>
-              <a:t>Finding key </a:t>
-            </a:r>
-            <a:r>
-              <a:rPr lang="en-US" altLang="zh-CN" sz="2000" dirty="0" smtClean="0">
-                <a:solidFill>
-                  <a:srgbClr val="000000"/>
-                </a:solidFill>
-                <a:latin typeface="Arial" panose="020B0604020202020204" pitchFamily="34" charset="0"/>
-                <a:cs typeface="Arial" panose="020B0604020202020204" pitchFamily="34" charset="0"/>
-              </a:rPr>
-              <a:t>edge</a:t>
-            </a:r>
-            <a:endParaRPr lang="en-US" altLang="zh-CN" sz="2000" dirty="0" smtClean="0">
-              <a:solidFill>
-                <a:srgbClr val="000000"/>
-              </a:solidFill>
-              <a:latin typeface="Arial" panose="020B0604020202020204" pitchFamily="34" charset="0"/>
-              <a:cs typeface="Arial" panose="020B0604020202020204" pitchFamily="34" charset="0"/>
-            </a:endParaRPr>
+              <a:t>Finding key edge</a:t>
+            </a:r>
           </a:p>
           <a:p>
             <a:pPr lvl="0">
@@ -9305,17 +9115,7 @@
                 <a:latin typeface="Arial" panose="020B0604020202020204" pitchFamily="34" charset="0"/>
                 <a:cs typeface="Arial" panose="020B0604020202020204" pitchFamily="34" charset="0"/>
               </a:rPr>
-              <a:t>Based on </a:t>
-            </a:r>
-            <a:r>
-              <a:rPr lang="en-US" altLang="zh-CN" dirty="0" smtClean="0">
-                <a:solidFill>
-                  <a:srgbClr val="000000"/>
-                </a:solidFill>
-                <a:latin typeface="Arial" panose="020B0604020202020204" pitchFamily="34" charset="0"/>
-                <a:cs typeface="Arial" panose="020B0604020202020204" pitchFamily="34" charset="0"/>
-              </a:rPr>
-              <a:t>edge properties,</a:t>
+              <a:t>Based on edge properties,</a:t>
             </a:r>
             <a:r>
               <a:rPr lang="zh-CN" altLang="en-US" dirty="0" smtClean="0">
@@ -9406,17 +9206,7 @@
                 <a:latin typeface="Arial" panose="020B0604020202020204" pitchFamily="34" charset="0"/>
                 <a:cs typeface="Arial" panose="020B0604020202020204" pitchFamily="34" charset="0"/>
               </a:rPr>
-              <a:t>, it </a:t>
-            </a:r>
-            <a:r>
-              <a:rPr lang="en-US" altLang="zh-CN" dirty="0" smtClean="0">
-                <a:solidFill>
-                  <a:srgbClr val="000000"/>
-                </a:solidFill>
-                <a:latin typeface="Arial" panose="020B0604020202020204" pitchFamily="34" charset="0"/>
-                <a:cs typeface="Arial" panose="020B0604020202020204" pitchFamily="34" charset="0"/>
-              </a:rPr>
-              <a:t>would be investigated that which properties have more </a:t>
+              <a:t>, it would be investigated that which properties have more </a:t>
             </a:r>
           </a:p>
           <a:p>
@@ -9447,17 +9237,7 @@
                 <a:latin typeface="Arial" panose="020B0604020202020204" pitchFamily="34" charset="0"/>
                 <a:cs typeface="Arial" panose="020B0604020202020204" pitchFamily="34" charset="0"/>
               </a:rPr>
-              <a:t>     influence to change the state of </a:t>
-            </a:r>
-            <a:r>
-              <a:rPr lang="en-US" altLang="zh-CN" dirty="0" smtClean="0">
-                <a:solidFill>
-                  <a:srgbClr val="000000"/>
-                </a:solidFill>
-                <a:latin typeface="Arial" panose="020B0604020202020204" pitchFamily="34" charset="0"/>
-                <a:cs typeface="Arial" panose="020B0604020202020204" pitchFamily="34" charset="0"/>
-              </a:rPr>
-              <a:t>two-layers</a:t>
+              <a:t>     influence to change the state of two-layers</a:t>
             </a:r>
             <a:r>
               <a:rPr lang="en-US" altLang="zh-CN" dirty="0">
@@ -10476,8 +10256,8 @@
         </p:blipFill>
         <p:spPr>
           <a:xfrm>
-            <a:off x="1307535" y="1634489"/>
-            <a:ext cx="6537960" cy="4037393"/>
+            <a:off x="-772732" y="349861"/>
+            <a:ext cx="10382553" cy="6411548"/>
           </a:xfrm>
           <a:prstGeom prst="rect">
             <a:avLst/>
@@ -10955,11 +10735,7 @@
             <a:pPr lvl="0"/>
             <a:r>
               <a:rPr lang="en-US" altLang="zh-CN" sz="2400" dirty="0" smtClean="0"/>
-              <a:t>Analyzing updating </a:t>
-            </a:r>
-            <a:r>
-              <a:rPr lang="en-US" altLang="zh-CN" sz="2400" dirty="0" smtClean="0"/>
-              <a:t>rules</a:t>
+              <a:t>Analyzing updating rules</a:t>
             </a:r>
             <a:endParaRPr lang="zh-CN" altLang="en-US" sz="2800" dirty="0"/>
           </a:p>
@@ -13660,13 +13436,6 @@
               </a:rPr>
               <a:t>Method : unchanging the states of nodes</a:t>
             </a:r>
-            <a:endParaRPr lang="en-US" altLang="zh-CN" b="1" dirty="0" smtClean="0">
-              <a:solidFill>
-                <a:srgbClr val="000000"/>
-              </a:solidFill>
-              <a:latin typeface="Arial" panose="020B0604020202020204" pitchFamily="34" charset="0"/>
-              <a:cs typeface="Arial" panose="020B0604020202020204" pitchFamily="34" charset="0"/>
-            </a:endParaRPr>
           </a:p>
           <a:p>
             <a:pPr lvl="0">
@@ -13838,25 +13607,8 @@
                 <a:latin typeface="Arial" panose="020B0604020202020204" pitchFamily="34" charset="0"/>
                 <a:cs typeface="Arial" panose="020B0604020202020204" pitchFamily="34" charset="0"/>
               </a:rPr>
-              <a:t>Initial Condition </a:t>
-            </a:r>
-            <a:r>
-              <a:rPr lang="en-US" altLang="zh-CN" b="1" dirty="0" smtClean="0">
-                <a:solidFill>
-                  <a:srgbClr val="000000"/>
-                </a:solidFill>
-                <a:latin typeface="Arial" panose="020B0604020202020204" pitchFamily="34" charset="0"/>
-                <a:cs typeface="Arial" panose="020B0604020202020204" pitchFamily="34" charset="0"/>
-              </a:rPr>
-              <a:t>for finding key node in layer A</a:t>
-            </a:r>
-            <a:endParaRPr lang="en-US" altLang="zh-CN" b="1" dirty="0" smtClean="0">
-              <a:solidFill>
-                <a:srgbClr val="000000"/>
-              </a:solidFill>
-              <a:latin typeface="Arial" panose="020B0604020202020204" pitchFamily="34" charset="0"/>
-              <a:cs typeface="Arial" panose="020B0604020202020204" pitchFamily="34" charset="0"/>
-            </a:endParaRPr>
+              <a:t>Initial Condition for finding key node in layer A</a:t>
+            </a:r>
           </a:p>
           <a:p>
             <a:pPr lvl="0">
@@ -13876,17 +13628,7 @@
                 <a:latin typeface="Arial" panose="020B0604020202020204" pitchFamily="34" charset="0"/>
                 <a:cs typeface="Arial" panose="020B0604020202020204" pitchFamily="34" charset="0"/>
               </a:rPr>
-              <a:t>    </a:t>
-            </a:r>
-            <a:r>
-              <a:rPr lang="en-US" altLang="zh-CN" dirty="0" smtClean="0">
-                <a:solidFill>
-                  <a:srgbClr val="000000"/>
-                </a:solidFill>
-                <a:latin typeface="Arial" panose="020B0604020202020204" pitchFamily="34" charset="0"/>
-                <a:cs typeface="Arial" panose="020B0604020202020204" pitchFamily="34" charset="0"/>
-              </a:rPr>
-              <a:t>- Two layers are made of BA networks with 2048 nodes and 1 external edge.  </a:t>
+              <a:t>    - Two layers are made of BA networks with 2048 nodes and 1 external edge.  </a:t>
             </a:r>
           </a:p>
           <a:p>
@@ -13917,17 +13659,7 @@
                 <a:latin typeface="Arial" panose="020B0604020202020204" pitchFamily="34" charset="0"/>
                 <a:cs typeface="Arial" panose="020B0604020202020204" pitchFamily="34" charset="0"/>
               </a:rPr>
-              <a:t>   </a:t>
-            </a:r>
-            <a:r>
-              <a:rPr lang="en-US" altLang="zh-CN" dirty="0" smtClean="0">
-                <a:solidFill>
-                  <a:srgbClr val="000000"/>
-                </a:solidFill>
-                <a:latin typeface="Arial" panose="020B0604020202020204" pitchFamily="34" charset="0"/>
-                <a:cs typeface="Arial" panose="020B0604020202020204" pitchFamily="34" charset="0"/>
-              </a:rPr>
-              <a:t>- Parameters : p = 0.3, v = 0.3(negative consensus)</a:t>
+              <a:t>   - Parameters : p = 0.3, v = 0.3(negative consensus)</a:t>
             </a:r>
           </a:p>
           <a:p>
